--- a/Дипломная.pptx
+++ b/Дипломная.pptx
@@ -14,8 +14,9 @@
     <p:sldId id="263" r:id="rId8"/>
     <p:sldId id="265" r:id="rId9"/>
     <p:sldId id="269" r:id="rId10"/>
-    <p:sldId id="270" r:id="rId11"/>
-    <p:sldId id="271" r:id="rId12"/>
+    <p:sldId id="273" r:id="rId11"/>
+    <p:sldId id="270" r:id="rId12"/>
+    <p:sldId id="271" r:id="rId13"/>
   </p:sldIdLst>
   <p:sldSz cx="12190413" cy="6859588"/>
   <p:notesSz cx="6858000" cy="9144000"/>
@@ -299,7 +300,7 @@
             <a:fld id="{5B106E36-FD25-4E2D-B0AA-010F637433A0}" type="datetimeFigureOut">
               <a:rPr lang="ru-RU" smtClean="0"/>
               <a:pPr/>
-              <a:t>29.03.2023</a:t>
+              <a:t>15.04.2023</a:t>
             </a:fld>
             <a:endParaRPr lang="ru-RU"/>
           </a:p>
@@ -466,7 +467,7 @@
             <a:fld id="{5B106E36-FD25-4E2D-B0AA-010F637433A0}" type="datetimeFigureOut">
               <a:rPr lang="ru-RU" smtClean="0"/>
               <a:pPr/>
-              <a:t>29.03.2023</a:t>
+              <a:t>15.04.2023</a:t>
             </a:fld>
             <a:endParaRPr lang="ru-RU"/>
           </a:p>
@@ -643,7 +644,7 @@
             <a:fld id="{5B106E36-FD25-4E2D-B0AA-010F637433A0}" type="datetimeFigureOut">
               <a:rPr lang="ru-RU" smtClean="0"/>
               <a:pPr/>
-              <a:t>29.03.2023</a:t>
+              <a:t>15.04.2023</a:t>
             </a:fld>
             <a:endParaRPr lang="ru-RU"/>
           </a:p>
@@ -810,7 +811,7 @@
             <a:fld id="{5B106E36-FD25-4E2D-B0AA-010F637433A0}" type="datetimeFigureOut">
               <a:rPr lang="ru-RU" smtClean="0"/>
               <a:pPr/>
-              <a:t>29.03.2023</a:t>
+              <a:t>15.04.2023</a:t>
             </a:fld>
             <a:endParaRPr lang="ru-RU"/>
           </a:p>
@@ -1053,7 +1054,7 @@
             <a:fld id="{5B106E36-FD25-4E2D-B0AA-010F637433A0}" type="datetimeFigureOut">
               <a:rPr lang="ru-RU" smtClean="0"/>
               <a:pPr/>
-              <a:t>29.03.2023</a:t>
+              <a:t>15.04.2023</a:t>
             </a:fld>
             <a:endParaRPr lang="ru-RU"/>
           </a:p>
@@ -1338,7 +1339,7 @@
             <a:fld id="{5B106E36-FD25-4E2D-B0AA-010F637433A0}" type="datetimeFigureOut">
               <a:rPr lang="ru-RU" smtClean="0"/>
               <a:pPr/>
-              <a:t>29.03.2023</a:t>
+              <a:t>15.04.2023</a:t>
             </a:fld>
             <a:endParaRPr lang="ru-RU"/>
           </a:p>
@@ -1757,7 +1758,7 @@
             <a:fld id="{5B106E36-FD25-4E2D-B0AA-010F637433A0}" type="datetimeFigureOut">
               <a:rPr lang="ru-RU" smtClean="0"/>
               <a:pPr/>
-              <a:t>29.03.2023</a:t>
+              <a:t>15.04.2023</a:t>
             </a:fld>
             <a:endParaRPr lang="ru-RU"/>
           </a:p>
@@ -1872,7 +1873,7 @@
             <a:fld id="{5B106E36-FD25-4E2D-B0AA-010F637433A0}" type="datetimeFigureOut">
               <a:rPr lang="ru-RU" smtClean="0"/>
               <a:pPr/>
-              <a:t>29.03.2023</a:t>
+              <a:t>15.04.2023</a:t>
             </a:fld>
             <a:endParaRPr lang="ru-RU"/>
           </a:p>
@@ -1964,7 +1965,7 @@
             <a:fld id="{5B106E36-FD25-4E2D-B0AA-010F637433A0}" type="datetimeFigureOut">
               <a:rPr lang="ru-RU" smtClean="0"/>
               <a:pPr/>
-              <a:t>29.03.2023</a:t>
+              <a:t>15.04.2023</a:t>
             </a:fld>
             <a:endParaRPr lang="ru-RU"/>
           </a:p>
@@ -2238,7 +2239,7 @@
             <a:fld id="{5B106E36-FD25-4E2D-B0AA-010F637433A0}" type="datetimeFigureOut">
               <a:rPr lang="ru-RU" smtClean="0"/>
               <a:pPr/>
-              <a:t>29.03.2023</a:t>
+              <a:t>15.04.2023</a:t>
             </a:fld>
             <a:endParaRPr lang="ru-RU"/>
           </a:p>
@@ -2488,7 +2489,7 @@
             <a:fld id="{5B106E36-FD25-4E2D-B0AA-010F637433A0}" type="datetimeFigureOut">
               <a:rPr lang="ru-RU" smtClean="0"/>
               <a:pPr/>
-              <a:t>29.03.2023</a:t>
+              <a:t>15.04.2023</a:t>
             </a:fld>
             <a:endParaRPr lang="ru-RU"/>
           </a:p>
@@ -2698,7 +2699,7 @@
             <a:fld id="{5B106E36-FD25-4E2D-B0AA-010F637433A0}" type="datetimeFigureOut">
               <a:rPr lang="ru-RU" smtClean="0"/>
               <a:pPr/>
-              <a:t>29.03.2023</a:t>
+              <a:t>15.04.2023</a:t>
             </a:fld>
             <a:endParaRPr lang="ru-RU"/>
           </a:p>
@@ -3204,9 +3205,61 @@
           <a:chExt cx="0" cy="0"/>
         </a:xfrm>
       </p:grpSpPr>
+      <p:sp>
+        <p:nvSpPr>
+          <p:cNvPr id="5" name="TextBox 4"/>
+          <p:cNvSpPr txBox="1"/>
+          <p:nvPr/>
+        </p:nvSpPr>
+        <p:spPr>
+          <a:xfrm>
+            <a:off x="910630" y="261442"/>
+            <a:ext cx="3120791" cy="830997"/>
+          </a:xfrm>
+          <a:prstGeom prst="rect">
+            <a:avLst/>
+          </a:prstGeom>
+          <a:noFill/>
+        </p:spPr>
+        <p:txBody>
+          <a:bodyPr wrap="none" rtlCol="0">
+            <a:spAutoFit/>
+          </a:bodyPr>
+          <a:lstStyle/>
+          <a:p>
+            <a:r>
+              <a:rPr lang="ru-RU" sz="2400" dirty="0" smtClean="0">
+                <a:latin typeface="Times New Roman" pitchFamily="18" charset="0"/>
+                <a:cs typeface="Times New Roman" pitchFamily="18" charset="0"/>
+              </a:rPr>
+              <a:t>Диаграмма </a:t>
+            </a:r>
+            <a:r>
+              <a:rPr lang="ru-RU" sz="2400" dirty="0" smtClean="0">
+                <a:latin typeface="Times New Roman" pitchFamily="18" charset="0"/>
+                <a:cs typeface="Times New Roman" pitchFamily="18" charset="0"/>
+              </a:rPr>
+              <a:t>вариантов </a:t>
+            </a:r>
+          </a:p>
+          <a:p>
+            <a:r>
+              <a:rPr lang="ru-RU" sz="2400" dirty="0" smtClean="0">
+                <a:latin typeface="Times New Roman" pitchFamily="18" charset="0"/>
+                <a:cs typeface="Times New Roman" pitchFamily="18" charset="0"/>
+              </a:rPr>
+              <a:t>использования</a:t>
+            </a:r>
+            <a:endParaRPr lang="ru-RU" sz="2400" dirty="0">
+              <a:latin typeface="Times New Roman" pitchFamily="18" charset="0"/>
+              <a:cs typeface="Times New Roman" pitchFamily="18" charset="0"/>
+            </a:endParaRPr>
+          </a:p>
+        </p:txBody>
+      </p:sp>
       <p:pic>
         <p:nvPicPr>
-          <p:cNvPr id="2050" name="Picture 2" descr="C:\1 УЧЕБА\1 Диплом\Схемы\Диаграмма деятельности.drawio (1).png"/>
+          <p:cNvPr id="4098" name="Picture 2" descr="C:\1 УЧЕБА\1-Diplom\Схемы\Диаграмма вариантов использования.drawio (2).png"/>
           <p:cNvPicPr>
             <a:picLocks noChangeAspect="1" noChangeArrowheads="1"/>
           </p:cNvPicPr>
@@ -3221,8 +3274,8 @@
         </p:blipFill>
         <p:spPr bwMode="auto">
           <a:xfrm>
-            <a:off x="5591150" y="0"/>
-            <a:ext cx="1728192" cy="6687910"/>
+            <a:off x="1486694" y="333450"/>
+            <a:ext cx="9793088" cy="6129747"/>
           </a:xfrm>
           <a:prstGeom prst="rect">
             <a:avLst/>
@@ -3230,42 +3283,6 @@
           <a:noFill/>
         </p:spPr>
       </p:pic>
-      <p:sp>
-        <p:nvSpPr>
-          <p:cNvPr id="5" name="TextBox 4"/>
-          <p:cNvSpPr txBox="1"/>
-          <p:nvPr/>
-        </p:nvSpPr>
-        <p:spPr>
-          <a:xfrm>
-            <a:off x="1702718" y="2781722"/>
-            <a:ext cx="3522631" cy="461665"/>
-          </a:xfrm>
-          <a:prstGeom prst="rect">
-            <a:avLst/>
-          </a:prstGeom>
-          <a:noFill/>
-        </p:spPr>
-        <p:txBody>
-          <a:bodyPr wrap="none" rtlCol="0">
-            <a:spAutoFit/>
-          </a:bodyPr>
-          <a:lstStyle/>
-          <a:p>
-            <a:r>
-              <a:rPr lang="ru-RU" sz="2400" dirty="0" smtClean="0">
-                <a:latin typeface="Times New Roman" pitchFamily="18" charset="0"/>
-                <a:cs typeface="Times New Roman" pitchFamily="18" charset="0"/>
-              </a:rPr>
-              <a:t>Диаграмма деятельности</a:t>
-            </a:r>
-            <a:endParaRPr lang="ru-RU" sz="2400" dirty="0">
-              <a:latin typeface="Times New Roman" pitchFamily="18" charset="0"/>
-              <a:cs typeface="Times New Roman" pitchFamily="18" charset="0"/>
-            </a:endParaRPr>
-          </a:p>
-        </p:txBody>
-      </p:sp>
     </p:spTree>
   </p:cSld>
   <p:clrMapOvr>
@@ -3275,6 +3292,93 @@
 </file>
 
 <file path=ppt/slides/slide11.xml><?xml version="1.0" encoding="utf-8"?>
+<p:sld xmlns:a="http://schemas.openxmlformats.org/drawingml/2006/main" xmlns:r="http://schemas.openxmlformats.org/officeDocument/2006/relationships" xmlns:p="http://schemas.openxmlformats.org/presentationml/2006/main">
+  <p:cSld>
+    <p:spTree>
+      <p:nvGrpSpPr>
+        <p:cNvPr id="1" name=""/>
+        <p:cNvGrpSpPr/>
+        <p:nvPr/>
+      </p:nvGrpSpPr>
+      <p:grpSpPr>
+        <a:xfrm>
+          <a:off x="0" y="0"/>
+          <a:ext cx="0" cy="0"/>
+          <a:chOff x="0" y="0"/>
+          <a:chExt cx="0" cy="0"/>
+        </a:xfrm>
+      </p:grpSpPr>
+      <p:sp>
+        <p:nvSpPr>
+          <p:cNvPr id="5" name="TextBox 4"/>
+          <p:cNvSpPr txBox="1"/>
+          <p:nvPr/>
+        </p:nvSpPr>
+        <p:spPr>
+          <a:xfrm>
+            <a:off x="4295006" y="261442"/>
+            <a:ext cx="3522631" cy="461665"/>
+          </a:xfrm>
+          <a:prstGeom prst="rect">
+            <a:avLst/>
+          </a:prstGeom>
+          <a:noFill/>
+        </p:spPr>
+        <p:txBody>
+          <a:bodyPr wrap="none" rtlCol="0">
+            <a:spAutoFit/>
+          </a:bodyPr>
+          <a:lstStyle/>
+          <a:p>
+            <a:r>
+              <a:rPr lang="ru-RU" sz="2400" dirty="0" smtClean="0">
+                <a:latin typeface="Times New Roman" pitchFamily="18" charset="0"/>
+                <a:cs typeface="Times New Roman" pitchFamily="18" charset="0"/>
+              </a:rPr>
+              <a:t>Диаграмма деятельности</a:t>
+            </a:r>
+            <a:endParaRPr lang="ru-RU" sz="2400" dirty="0">
+              <a:latin typeface="Times New Roman" pitchFamily="18" charset="0"/>
+              <a:cs typeface="Times New Roman" pitchFamily="18" charset="0"/>
+            </a:endParaRPr>
+          </a:p>
+        </p:txBody>
+      </p:sp>
+      <p:pic>
+        <p:nvPicPr>
+          <p:cNvPr id="1028" name="Picture 4" descr="C:\1 УЧЕБА\1-Diplom\Схемы\Диаграмма деятельности.drawio (2).png"/>
+          <p:cNvPicPr>
+            <a:picLocks noChangeAspect="1" noChangeArrowheads="1"/>
+          </p:cNvPicPr>
+          <p:nvPr/>
+        </p:nvPicPr>
+        <p:blipFill>
+          <a:blip r:embed="rId2" cstate="print"/>
+          <a:srcRect/>
+          <a:stretch>
+            <a:fillRect/>
+          </a:stretch>
+        </p:blipFill>
+        <p:spPr bwMode="auto">
+          <a:xfrm>
+            <a:off x="1054646" y="765498"/>
+            <a:ext cx="10225136" cy="5758617"/>
+          </a:xfrm>
+          <a:prstGeom prst="rect">
+            <a:avLst/>
+          </a:prstGeom>
+          <a:noFill/>
+        </p:spPr>
+      </p:pic>
+    </p:spTree>
+  </p:cSld>
+  <p:clrMapOvr>
+    <a:masterClrMapping/>
+  </p:clrMapOvr>
+</p:sld>
+</file>
+
+<file path=ppt/slides/slide12.xml><?xml version="1.0" encoding="utf-8"?>
 <p:sld xmlns:a="http://schemas.openxmlformats.org/drawingml/2006/main" xmlns:r="http://schemas.openxmlformats.org/officeDocument/2006/relationships" xmlns:p="http://schemas.openxmlformats.org/presentationml/2006/main">
   <p:cSld>
     <p:spTree>
@@ -3383,7 +3487,7 @@
           <p:cNvPr id="10" name="Заголовок 1">
             <a:extLst>
               <a:ext uri="{FF2B5EF4-FFF2-40B4-BE49-F238E27FC236}">
-                <a16:creationId xmlns="" xmlns:a16="http://schemas.microsoft.com/office/drawing/2014/main" id="{01503706-744B-410E-9B65-8610A72CF07B}"/>
+                <a16:creationId xmlns:a16="http://schemas.microsoft.com/office/drawing/2014/main" xmlns="" id="{01503706-744B-410E-9B65-8610A72CF07B}"/>
               </a:ext>
             </a:extLst>
           </p:cNvPr>
@@ -3505,7 +3609,7 @@
           <p:cNvPr id="11" name="Text 1">
             <a:extLst>
               <a:ext uri="{FF2B5EF4-FFF2-40B4-BE49-F238E27FC236}">
-                <a16:creationId xmlns="" xmlns:a16="http://schemas.microsoft.com/office/drawing/2014/main" id="{72037010-A9D9-49AF-A594-5EF9D266FCEE}"/>
+                <a16:creationId xmlns:a16="http://schemas.microsoft.com/office/drawing/2014/main" xmlns="" id="{72037010-A9D9-49AF-A594-5EF9D266FCEE}"/>
               </a:ext>
             </a:extLst>
           </p:cNvPr>
@@ -3593,7 +3697,7 @@
           <p:cNvPr id="12" name="Text 2">
             <a:extLst>
               <a:ext uri="{FF2B5EF4-FFF2-40B4-BE49-F238E27FC236}">
-                <a16:creationId xmlns="" xmlns:a16="http://schemas.microsoft.com/office/drawing/2014/main" id="{B0971291-6D9C-47F2-A6FD-1EC86B60B829}"/>
+                <a16:creationId xmlns:a16="http://schemas.microsoft.com/office/drawing/2014/main" xmlns="" id="{B0971291-6D9C-47F2-A6FD-1EC86B60B829}"/>
               </a:ext>
             </a:extLst>
           </p:cNvPr>
@@ -3669,7 +3773,7 @@
           <p:cNvPr id="13" name="Text 3">
             <a:extLst>
               <a:ext uri="{FF2B5EF4-FFF2-40B4-BE49-F238E27FC236}">
-                <a16:creationId xmlns="" xmlns:a16="http://schemas.microsoft.com/office/drawing/2014/main" id="{538F249A-B0DE-403E-AFB7-2D456552B392}"/>
+                <a16:creationId xmlns:a16="http://schemas.microsoft.com/office/drawing/2014/main" xmlns="" id="{538F249A-B0DE-403E-AFB7-2D456552B392}"/>
               </a:ext>
             </a:extLst>
           </p:cNvPr>
@@ -3744,7 +3848,7 @@
           <p:cNvPr id="14" name="TextBox 13">
             <a:extLst>
               <a:ext uri="{FF2B5EF4-FFF2-40B4-BE49-F238E27FC236}">
-                <a16:creationId xmlns="" xmlns:a16="http://schemas.microsoft.com/office/drawing/2014/main" id="{797388F1-E166-4356-A640-1AC1F39D2843}"/>
+                <a16:creationId xmlns:a16="http://schemas.microsoft.com/office/drawing/2014/main" xmlns="" id="{797388F1-E166-4356-A640-1AC1F39D2843}"/>
               </a:ext>
             </a:extLst>
           </p:cNvPr>
@@ -3807,7 +3911,7 @@
           <p:cNvPr id="4" name="Заголовок 1">
             <a:extLst>
               <a:ext uri="{FF2B5EF4-FFF2-40B4-BE49-F238E27FC236}">
-                <a16:creationId xmlns="" xmlns:a16="http://schemas.microsoft.com/office/drawing/2014/main" id="{46B763F4-6301-4314-A941-A1986AE510F1}"/>
+                <a16:creationId xmlns:a16="http://schemas.microsoft.com/office/drawing/2014/main" xmlns="" id="{46B763F4-6301-4314-A941-A1986AE510F1}"/>
               </a:ext>
             </a:extLst>
           </p:cNvPr>
@@ -3851,7 +3955,7 @@
           <p:cNvPr id="5" name="Объект 2">
             <a:extLst>
               <a:ext uri="{FF2B5EF4-FFF2-40B4-BE49-F238E27FC236}">
-                <a16:creationId xmlns="" xmlns:a16="http://schemas.microsoft.com/office/drawing/2014/main" id="{C83B88B7-2124-4F37-8698-952C557AED7B}"/>
+                <a16:creationId xmlns:a16="http://schemas.microsoft.com/office/drawing/2014/main" xmlns="" id="{C83B88B7-2124-4F37-8698-952C557AED7B}"/>
               </a:ext>
             </a:extLst>
           </p:cNvPr>
@@ -3948,7 +4052,7 @@
           <p:cNvPr id="6" name="TextBox 5">
             <a:extLst>
               <a:ext uri="{FF2B5EF4-FFF2-40B4-BE49-F238E27FC236}">
-                <a16:creationId xmlns="" xmlns:a16="http://schemas.microsoft.com/office/drawing/2014/main" id="{69D43A6A-B3C6-44F5-BA7C-59ACB27CC921}"/>
+                <a16:creationId xmlns:a16="http://schemas.microsoft.com/office/drawing/2014/main" xmlns="" id="{69D43A6A-B3C6-44F5-BA7C-59ACB27CC921}"/>
               </a:ext>
             </a:extLst>
           </p:cNvPr>
@@ -4011,7 +4115,7 @@
           <p:cNvPr id="4" name="Заголовок 1">
             <a:extLst>
               <a:ext uri="{FF2B5EF4-FFF2-40B4-BE49-F238E27FC236}">
-                <a16:creationId xmlns="" xmlns:a16="http://schemas.microsoft.com/office/drawing/2014/main" id="{9BE103FA-346E-4AD0-A528-E8B5B5B30E11}"/>
+                <a16:creationId xmlns:a16="http://schemas.microsoft.com/office/drawing/2014/main" xmlns="" id="{9BE103FA-346E-4AD0-A528-E8B5B5B30E11}"/>
               </a:ext>
             </a:extLst>
           </p:cNvPr>
@@ -4047,7 +4151,7 @@
           <p:cNvPr id="5" name="Объект 2">
             <a:extLst>
               <a:ext uri="{FF2B5EF4-FFF2-40B4-BE49-F238E27FC236}">
-                <a16:creationId xmlns="" xmlns:a16="http://schemas.microsoft.com/office/drawing/2014/main" id="{F3ABAB10-2768-4209-9C26-64C71481E109}"/>
+                <a16:creationId xmlns:a16="http://schemas.microsoft.com/office/drawing/2014/main" xmlns="" id="{F3ABAB10-2768-4209-9C26-64C71481E109}"/>
               </a:ext>
             </a:extLst>
           </p:cNvPr>
@@ -4183,7 +4287,7 @@
           <p:cNvPr id="6" name="TextBox 5">
             <a:extLst>
               <a:ext uri="{FF2B5EF4-FFF2-40B4-BE49-F238E27FC236}">
-                <a16:creationId xmlns="" xmlns:a16="http://schemas.microsoft.com/office/drawing/2014/main" id="{626CE946-A6A4-4284-906A-D8EF7551170E}"/>
+                <a16:creationId xmlns:a16="http://schemas.microsoft.com/office/drawing/2014/main" xmlns="" id="{626CE946-A6A4-4284-906A-D8EF7551170E}"/>
               </a:ext>
             </a:extLst>
           </p:cNvPr>
@@ -4787,7 +4891,7 @@
         </p:nvSpPr>
         <p:spPr>
           <a:xfrm>
-            <a:off x="1918742" y="549474"/>
+            <a:off x="1990750" y="117426"/>
             <a:ext cx="8313045" cy="769441"/>
           </a:xfrm>
           <a:prstGeom prst="rect">
@@ -4815,9 +4919,45 @@
           </a:p>
         </p:txBody>
       </p:sp>
+      <p:sp>
+        <p:nvSpPr>
+          <p:cNvPr id="9" name="TextBox 8"/>
+          <p:cNvSpPr txBox="1"/>
+          <p:nvPr/>
+        </p:nvSpPr>
+        <p:spPr>
+          <a:xfrm>
+            <a:off x="1918742" y="909514"/>
+            <a:ext cx="3039407" cy="461665"/>
+          </a:xfrm>
+          <a:prstGeom prst="rect">
+            <a:avLst/>
+          </a:prstGeom>
+          <a:noFill/>
+        </p:spPr>
+        <p:txBody>
+          <a:bodyPr wrap="square" rtlCol="0">
+            <a:spAutoFit/>
+          </a:bodyPr>
+          <a:lstStyle/>
+          <a:p>
+            <a:r>
+              <a:rPr lang="ru-RU" sz="2400" dirty="0" smtClean="0">
+                <a:latin typeface="Times New Roman" pitchFamily="18" charset="0"/>
+                <a:cs typeface="Times New Roman" pitchFamily="18" charset="0"/>
+              </a:rPr>
+              <a:t>Структурная схема</a:t>
+            </a:r>
+            <a:endParaRPr lang="ru-RU" sz="2400" dirty="0">
+              <a:latin typeface="Times New Roman" pitchFamily="18" charset="0"/>
+              <a:cs typeface="Times New Roman" pitchFamily="18" charset="0"/>
+            </a:endParaRPr>
+          </a:p>
+        </p:txBody>
+      </p:sp>
       <p:pic>
         <p:nvPicPr>
-          <p:cNvPr id="1028" name="Picture 4" descr="C:\1 УЧЕБА\1 Диплом\Схемы\Диаграмма вариантов использования.drawio.png"/>
+          <p:cNvPr id="10" name="Picture 2" descr="C:\1 УЧЕБА\1-Diplom\Схемы\структурная схема.drawio.png"/>
           <p:cNvPicPr>
             <a:picLocks noChangeAspect="1" noChangeArrowheads="1"/>
           </p:cNvPicPr>
@@ -4832,8 +4972,8 @@
         </p:blipFill>
         <p:spPr bwMode="auto">
           <a:xfrm>
-            <a:off x="334566" y="1917626"/>
-            <a:ext cx="5328592" cy="4459044"/>
+            <a:off x="2566814" y="882308"/>
+            <a:ext cx="9145016" cy="5689806"/>
           </a:xfrm>
           <a:prstGeom prst="rect">
             <a:avLst/>
@@ -4841,104 +4981,6 @@
           <a:noFill/>
         </p:spPr>
       </p:pic>
-      <p:sp>
-        <p:nvSpPr>
-          <p:cNvPr id="8" name="TextBox 7"/>
-          <p:cNvSpPr txBox="1"/>
-          <p:nvPr/>
-        </p:nvSpPr>
-        <p:spPr>
-          <a:xfrm>
-            <a:off x="622598" y="1413570"/>
-            <a:ext cx="5055358" cy="461665"/>
-          </a:xfrm>
-          <a:prstGeom prst="rect">
-            <a:avLst/>
-          </a:prstGeom>
-          <a:noFill/>
-        </p:spPr>
-        <p:txBody>
-          <a:bodyPr wrap="none" rtlCol="0">
-            <a:spAutoFit/>
-          </a:bodyPr>
-          <a:lstStyle/>
-          <a:p>
-            <a:r>
-              <a:rPr lang="ru-RU" sz="2400" dirty="0" smtClean="0">
-                <a:latin typeface="Times New Roman" pitchFamily="18" charset="0"/>
-                <a:cs typeface="Times New Roman" pitchFamily="18" charset="0"/>
-              </a:rPr>
-              <a:t>Диаграмма вариантов использования</a:t>
-            </a:r>
-            <a:endParaRPr lang="ru-RU" sz="2400" dirty="0">
-              <a:latin typeface="Times New Roman" pitchFamily="18" charset="0"/>
-              <a:cs typeface="Times New Roman" pitchFamily="18" charset="0"/>
-            </a:endParaRPr>
-          </a:p>
-        </p:txBody>
-      </p:sp>
-      <p:pic>
-        <p:nvPicPr>
-          <p:cNvPr id="1030" name="Picture 6" descr="C:\1 УЧЕБА\1 Диплом\Схемы\структурная-схема.png"/>
-          <p:cNvPicPr>
-            <a:picLocks noChangeAspect="1" noChangeArrowheads="1"/>
-          </p:cNvPicPr>
-          <p:nvPr/>
-        </p:nvPicPr>
-        <p:blipFill>
-          <a:blip r:embed="rId3" cstate="print"/>
-          <a:srcRect/>
-          <a:stretch>
-            <a:fillRect/>
-          </a:stretch>
-        </p:blipFill>
-        <p:spPr bwMode="auto">
-          <a:xfrm>
-            <a:off x="5951190" y="2709714"/>
-            <a:ext cx="5976664" cy="3190658"/>
-          </a:xfrm>
-          <a:prstGeom prst="rect">
-            <a:avLst/>
-          </a:prstGeom>
-          <a:noFill/>
-        </p:spPr>
-      </p:pic>
-      <p:sp>
-        <p:nvSpPr>
-          <p:cNvPr id="12" name="TextBox 11"/>
-          <p:cNvSpPr txBox="1"/>
-          <p:nvPr/>
-        </p:nvSpPr>
-        <p:spPr>
-          <a:xfrm>
-            <a:off x="7103318" y="1413570"/>
-            <a:ext cx="2675156" cy="461665"/>
-          </a:xfrm>
-          <a:prstGeom prst="rect">
-            <a:avLst/>
-          </a:prstGeom>
-          <a:noFill/>
-        </p:spPr>
-        <p:txBody>
-          <a:bodyPr wrap="none" rtlCol="0">
-            <a:spAutoFit/>
-          </a:bodyPr>
-          <a:lstStyle/>
-          <a:p>
-            <a:r>
-              <a:rPr lang="ru-RU" sz="2400" dirty="0" smtClean="0">
-                <a:latin typeface="Times New Roman" pitchFamily="18" charset="0"/>
-                <a:cs typeface="Times New Roman" pitchFamily="18" charset="0"/>
-              </a:rPr>
-              <a:t>Структурная схема</a:t>
-            </a:r>
-            <a:endParaRPr lang="ru-RU" sz="2400" dirty="0">
-              <a:latin typeface="Times New Roman" pitchFamily="18" charset="0"/>
-              <a:cs typeface="Times New Roman" pitchFamily="18" charset="0"/>
-            </a:endParaRPr>
-          </a:p>
-        </p:txBody>
-      </p:sp>
     </p:spTree>
   </p:cSld>
   <p:clrMapOvr>
